--- a/pdfs/w3/D25_.NET_JavaScriptFunctions.pptx
+++ b/pdfs/w3/D25_.NET_JavaScriptFunctions.pptx
@@ -1136,7 +1136,7 @@
           <a:p>
             <a:fld id="{9184DA70-C731-4C70-880D-CCD4705E623C}" type="datetime1">
               <a:rPr lang="en-US" smtClean="0"/>
-              <a:t>12/19/2021</a:t>
+              <a:t>12/22/2021</a:t>
             </a:fld>
             <a:endParaRPr lang="en-US" dirty="0"/>
           </a:p>
@@ -1324,7 +1324,7 @@
           <a:p>
             <a:fld id="{B612A279-0833-481D-8C56-F67FD0AC6C50}" type="datetime1">
               <a:rPr lang="en-US" smtClean="0"/>
-              <a:t>12/19/2021</a:t>
+              <a:t>12/22/2021</a:t>
             </a:fld>
             <a:endParaRPr lang="en-US" dirty="0"/>
           </a:p>
@@ -1566,7 +1566,7 @@
           <a:p>
             <a:fld id="{6587DA83-5663-4C9C-B9AA-0B40A3DAFF81}" type="datetime1">
               <a:rPr lang="en-US" smtClean="0"/>
-              <a:t>12/19/2021</a:t>
+              <a:t>12/22/2021</a:t>
             </a:fld>
             <a:endParaRPr lang="en-US" dirty="0"/>
           </a:p>
@@ -1754,7 +1754,7 @@
           <a:p>
             <a:fld id="{4BE1D723-8F53-4F53-90B0-1982A396982E}" type="datetime1">
               <a:rPr lang="en-US" smtClean="0"/>
-              <a:t>12/19/2021</a:t>
+              <a:t>12/22/2021</a:t>
             </a:fld>
             <a:endParaRPr lang="en-US" dirty="0"/>
           </a:p>
@@ -2127,7 +2127,7 @@
           <a:p>
             <a:fld id="{97669AF7-7BEB-44E4-9852-375E34362B5B}" type="datetime1">
               <a:rPr lang="en-US" smtClean="0"/>
-              <a:t>12/19/2021</a:t>
+              <a:t>12/22/2021</a:t>
             </a:fld>
             <a:endParaRPr lang="en-US" dirty="0"/>
           </a:p>
@@ -2382,7 +2382,7 @@
           <a:p>
             <a:fld id="{BAAAC38D-0552-4C82-B593-E6124DFADBE2}" type="datetime1">
               <a:rPr lang="en-US" smtClean="0"/>
-              <a:t>12/19/2021</a:t>
+              <a:t>12/22/2021</a:t>
             </a:fld>
             <a:endParaRPr lang="en-US" dirty="0"/>
           </a:p>
@@ -2779,7 +2779,7 @@
           <a:p>
             <a:fld id="{D9DF0F1C-5577-4ACB-BB62-DF8F3C494C7E}" type="datetime1">
               <a:rPr lang="en-US" smtClean="0"/>
-              <a:t>12/19/2021</a:t>
+              <a:t>12/22/2021</a:t>
             </a:fld>
             <a:endParaRPr lang="en-US" dirty="0"/>
           </a:p>
@@ -2915,7 +2915,7 @@
           <a:p>
             <a:fld id="{1775B394-D9F9-4F0C-B15D-605F45CB9E9F}" type="datetime1">
               <a:rPr lang="en-US" smtClean="0"/>
-              <a:t>12/19/2021</a:t>
+              <a:t>12/22/2021</a:t>
             </a:fld>
             <a:endParaRPr lang="en-US" dirty="0"/>
           </a:p>
@@ -3072,7 +3072,7 @@
           <a:p>
             <a:fld id="{39667345-2558-425A-8533-9BFDBCE15005}" type="datetime1">
               <a:rPr lang="en-US" smtClean="0"/>
-              <a:t>12/19/2021</a:t>
+              <a:t>12/22/2021</a:t>
             </a:fld>
             <a:endParaRPr lang="en-US" dirty="0"/>
           </a:p>
@@ -3401,7 +3401,7 @@
           <a:p>
             <a:fld id="{92BEA474-078D-4E9B-9B14-09A87B19DC46}" type="datetime1">
               <a:rPr lang="en-US" smtClean="0"/>
-              <a:t>12/19/2021</a:t>
+              <a:t>12/22/2021</a:t>
             </a:fld>
             <a:endParaRPr lang="en-US" dirty="0"/>
           </a:p>
@@ -3751,7 +3751,7 @@
           <a:p>
             <a:fld id="{4907D986-8816-4272-A432-0437A28A9828}" type="datetime1">
               <a:rPr lang="en-US" smtClean="0"/>
-              <a:t>12/19/2021</a:t>
+              <a:t>12/22/2021</a:t>
             </a:fld>
             <a:endParaRPr lang="en-US" dirty="0"/>
           </a:p>
@@ -4012,7 +4012,7 @@
           <a:p>
             <a:fld id="{62D6E202-B606-4609-B914-27C9371A1F6D}" type="datetime1">
               <a:rPr lang="en-US" smtClean="0"/>
-              <a:t>12/19/2021</a:t>
+              <a:t>12/22/2021</a:t>
             </a:fld>
             <a:endParaRPr lang="en-US" dirty="0"/>
           </a:p>
@@ -5149,8 +5149,8 @@
         </p:nvSpPr>
         <p:spPr>
           <a:xfrm>
-            <a:off x="1540500" y="1923223"/>
-            <a:ext cx="5537633" cy="4472608"/>
+            <a:off x="1398210" y="1923223"/>
+            <a:ext cx="5679923" cy="4472608"/>
           </a:xfrm>
         </p:spPr>
         <p:txBody>
@@ -5173,7 +5173,7 @@
                   <a:srgbClr val="FF0000"/>
                 </a:solidFill>
               </a:rPr>
-              <a:t>{...}</a:t>
+              <a:t>{ }</a:t>
             </a:r>
             <a:r>
               <a:rPr lang="en-US" sz="2000" dirty="0">
@@ -5217,7 +5217,7 @@
                   <a:schemeClr val="tx1"/>
                 </a:solidFill>
               </a:rPr>
-              <a:t>A nested function can be returned (as a property of a new object or as a result by itself). It can then be used anywhere else, and it will still have access to the same outer variables.</a:t>
+              <a:t>A nested function can be returned as a property of a new object or as a result by itself. It can then be used anywhere else, and it will still have access to the same outer variables.</a:t>
             </a:r>
           </a:p>
         </p:txBody>
@@ -5774,7 +5774,7 @@
         <p:spPr>
           <a:xfrm>
             <a:off x="1223554" y="5223549"/>
-            <a:ext cx="9744891" cy="1182338"/>
+            <a:ext cx="9816979" cy="1182338"/>
           </a:xfrm>
           <a:prstGeom prst="rect">
             <a:avLst/>
@@ -5782,12 +5782,12 @@
         </p:spPr>
         <p:txBody>
           <a:bodyPr wrap="square" anchor="ctr">
-            <a:normAutofit/>
+            <a:normAutofit lnSpcReduction="10000"/>
           </a:bodyPr>
           <a:lstStyle/>
           <a:p>
             <a:r>
-              <a:rPr lang="en-US" sz="1600" dirty="0">
+              <a:rPr lang="en-US" dirty="0">
                 <a:solidFill>
                   <a:srgbClr val="FF0000"/>
                 </a:solidFill>
@@ -5795,11 +5795,11 @@
               <a:t>init()</a:t>
             </a:r>
             <a:r>
-              <a:rPr lang="en-US" sz="1600" dirty="0"/>
+              <a:rPr lang="en-US" dirty="0"/>
               <a:t> creates local variable (name) and a function, </a:t>
             </a:r>
             <a:r>
-              <a:rPr lang="en-US" sz="1600" dirty="0" err="1">
+              <a:rPr lang="en-US" dirty="0" err="1">
                 <a:solidFill>
                   <a:srgbClr val="FF0000"/>
                 </a:solidFill>
@@ -5807,7 +5807,7 @@
               <a:t>displayName</a:t>
             </a:r>
             <a:r>
-              <a:rPr lang="en-US" sz="1600" dirty="0">
+              <a:rPr lang="en-US" dirty="0">
                 <a:solidFill>
                   <a:srgbClr val="FF0000"/>
                 </a:solidFill>
@@ -5815,11 +5815,11 @@
               <a:t>()</a:t>
             </a:r>
             <a:r>
-              <a:rPr lang="en-US" sz="1600" dirty="0"/>
+              <a:rPr lang="en-US" dirty="0"/>
               <a:t>. </a:t>
             </a:r>
             <a:r>
-              <a:rPr lang="en-US" sz="1600" dirty="0" err="1">
+              <a:rPr lang="en-US" dirty="0" err="1">
                 <a:solidFill>
                   <a:srgbClr val="FF0000"/>
                 </a:solidFill>
@@ -5827,7 +5827,7 @@
               <a:t>displayName</a:t>
             </a:r>
             <a:r>
-              <a:rPr lang="en-US" sz="1600" dirty="0">
+              <a:rPr lang="en-US" dirty="0">
                 <a:solidFill>
                   <a:srgbClr val="FF0000"/>
                 </a:solidFill>
@@ -5835,19 +5835,11 @@
               <a:t>()</a:t>
             </a:r>
             <a:r>
-              <a:rPr lang="en-US" sz="1600" dirty="0"/>
-              <a:t> is an inner function </a:t>
-            </a:r>
-            <a:r>
-              <a:rPr lang="en-US" sz="1600" b="1" i="1" dirty="0"/>
-              <a:t>defined</a:t>
-            </a:r>
-            <a:r>
-              <a:rPr lang="en-US" sz="1600" dirty="0"/>
-              <a:t> inside </a:t>
-            </a:r>
-            <a:r>
-              <a:rPr lang="en-US" sz="1600" dirty="0" err="1">
+              <a:rPr lang="en-US" dirty="0"/>
+              <a:t> is available only within the body of </a:t>
+            </a:r>
+            <a:r>
+              <a:rPr lang="en-US" dirty="0" err="1">
                 <a:solidFill>
                   <a:srgbClr val="FF0000"/>
                 </a:solidFill>
@@ -5855,7 +5847,7 @@
               <a:t>init</a:t>
             </a:r>
             <a:r>
-              <a:rPr lang="en-US" sz="1600" dirty="0">
+              <a:rPr lang="en-US" dirty="0">
                 <a:solidFill>
                   <a:srgbClr val="FF0000"/>
                 </a:solidFill>
@@ -5863,11 +5855,11 @@
               <a:t>()</a:t>
             </a:r>
             <a:r>
-              <a:rPr lang="en-US" sz="1600" dirty="0"/>
+              <a:rPr lang="en-US" dirty="0"/>
               <a:t>. </a:t>
             </a:r>
             <a:r>
-              <a:rPr lang="en-US" sz="1600" dirty="0" err="1">
+              <a:rPr lang="en-US" dirty="0" err="1">
                 <a:solidFill>
                   <a:srgbClr val="FF0000"/>
                 </a:solidFill>
@@ -5875,7 +5867,7 @@
               <a:t>displayName</a:t>
             </a:r>
             <a:r>
-              <a:rPr lang="en-US" sz="1600" dirty="0">
+              <a:rPr lang="en-US" dirty="0">
                 <a:solidFill>
                   <a:srgbClr val="FF0000"/>
                 </a:solidFill>
@@ -5883,19 +5875,19 @@
               <a:t>()</a:t>
             </a:r>
             <a:r>
-              <a:rPr lang="en-US" sz="1600" dirty="0"/>
-              <a:t> is available only within the body of </a:t>
-            </a:r>
-            <a:r>
-              <a:rPr lang="en-US" sz="1600" dirty="0" err="1">
+              <a:rPr lang="en-US" dirty="0"/>
+              <a:t> has no local variables. Because inner functions have access to outer function variables, </a:t>
+            </a:r>
+            <a:r>
+              <a:rPr lang="en-US" dirty="0" err="1">
                 <a:solidFill>
                   <a:srgbClr val="FF0000"/>
                 </a:solidFill>
               </a:rPr>
-              <a:t>init</a:t>
-            </a:r>
-            <a:r>
-              <a:rPr lang="en-US" sz="1600" dirty="0">
+              <a:t>displayName</a:t>
+            </a:r>
+            <a:r>
+              <a:rPr lang="en-US" dirty="0">
                 <a:solidFill>
                   <a:srgbClr val="FF0000"/>
                 </a:solidFill>
@@ -5903,77 +5895,31 @@
               <a:t>()</a:t>
             </a:r>
             <a:r>
-              <a:rPr lang="en-US" sz="1600" dirty="0"/>
-              <a:t>. </a:t>
-            </a:r>
-            <a:r>
-              <a:rPr lang="en-US" sz="1600" dirty="0" err="1">
+              <a:rPr lang="en-US" dirty="0"/>
+              <a:t> accesses the </a:t>
+            </a:r>
+            <a:r>
+              <a:rPr lang="en-US" dirty="0">
                 <a:solidFill>
                   <a:srgbClr val="FF0000"/>
                 </a:solidFill>
               </a:rPr>
-              <a:t>displayName</a:t>
-            </a:r>
-            <a:r>
-              <a:rPr lang="en-US" sz="1600" dirty="0">
+              <a:t>name</a:t>
+            </a:r>
+            <a:r>
+              <a:rPr lang="en-US" dirty="0"/>
+              <a:t> variable declared in its parent function, </a:t>
+            </a:r>
+            <a:r>
+              <a:rPr lang="en-US" dirty="0">
                 <a:solidFill>
                   <a:srgbClr val="FF0000"/>
                 </a:solidFill>
               </a:rPr>
-              <a:t>()</a:t>
-            </a:r>
-            <a:r>
-              <a:rPr lang="en-US" sz="1600" dirty="0"/>
-              <a:t> has no local variables. </a:t>
-            </a:r>
-          </a:p>
-          <a:p>
-            <a:r>
-              <a:rPr lang="en-US" sz="1600" dirty="0"/>
-              <a:t>Because inner functions have access to outer function variables, </a:t>
-            </a:r>
-            <a:r>
-              <a:rPr lang="en-US" sz="1600" dirty="0" err="1">
-                <a:solidFill>
-                  <a:srgbClr val="FF0000"/>
-                </a:solidFill>
-              </a:rPr>
-              <a:t>displayName</a:t>
-            </a:r>
-            <a:r>
-              <a:rPr lang="en-US" sz="1600" dirty="0">
-                <a:solidFill>
-                  <a:srgbClr val="FF0000"/>
-                </a:solidFill>
-              </a:rPr>
-              <a:t>()</a:t>
-            </a:r>
-            <a:r>
-              <a:rPr lang="en-US" sz="1600" dirty="0"/>
-              <a:t> accesses the </a:t>
-            </a:r>
-            <a:r>
-              <a:rPr lang="en-US" sz="1600" dirty="0">
-                <a:solidFill>
-                  <a:srgbClr val="FF0000"/>
-                </a:solidFill>
-              </a:rPr>
-              <a:t>name</a:t>
-            </a:r>
-            <a:r>
-              <a:rPr lang="en-US" sz="1600" dirty="0"/>
-              <a:t> variable declared in its parent function, </a:t>
-            </a:r>
-            <a:r>
-              <a:rPr lang="en-US" sz="1600" dirty="0">
-                <a:solidFill>
-                  <a:srgbClr val="FF0000"/>
-                </a:solidFill>
-              </a:rPr>
               <a:t>init()</a:t>
             </a:r>
             <a:r>
-              <a:rPr lang="en-US" sz="1600" dirty="0"/>
+              <a:rPr lang="en-US" dirty="0"/>
               <a:t>. This is Lexical Scoping.</a:t>
             </a:r>
           </a:p>
@@ -6650,7 +6596,7 @@
         </p:spPr>
         <p:txBody>
           <a:bodyPr anchor="ctr">
-            <a:normAutofit/>
+            <a:normAutofit lnSpcReduction="10000"/>
           </a:bodyPr>
           <a:lstStyle/>
           <a:p>
@@ -6658,7 +6604,7 @@
               <a:buNone/>
             </a:pPr>
             <a:r>
-              <a:rPr lang="en-US" sz="2000" dirty="0">
+              <a:rPr lang="en-US" sz="2400" dirty="0">
                 <a:solidFill>
                   <a:schemeClr val="tx1"/>
                 </a:solidFill>
@@ -6666,7 +6612,7 @@
               <a:t>The JS </a:t>
             </a:r>
             <a:r>
-              <a:rPr lang="en-US" sz="2000" b="1" i="1" dirty="0">
+              <a:rPr lang="en-US" sz="2400" b="1" i="1" dirty="0">
                 <a:solidFill>
                   <a:schemeClr val="tx1"/>
                 </a:solidFill>
@@ -6674,7 +6620,7 @@
               <a:t>Try/Catch </a:t>
             </a:r>
             <a:r>
-              <a:rPr lang="en-US" sz="2000" dirty="0">
+              <a:rPr lang="en-US" sz="2400" dirty="0">
                 <a:solidFill>
                   <a:schemeClr val="tx1"/>
                 </a:solidFill>
@@ -6682,7 +6628,7 @@
               <a:t>block works similarly to the C# </a:t>
             </a:r>
             <a:r>
-              <a:rPr lang="en-US" sz="2000" b="1" i="1" dirty="0">
+              <a:rPr lang="en-US" sz="2400" b="1" i="1" dirty="0">
                 <a:solidFill>
                   <a:schemeClr val="tx1"/>
                 </a:solidFill>
@@ -6690,7 +6636,7 @@
               <a:t>Try/Catch </a:t>
             </a:r>
             <a:r>
-              <a:rPr lang="en-US" sz="2000" dirty="0">
+              <a:rPr lang="en-US" sz="2400" dirty="0">
                 <a:solidFill>
                   <a:schemeClr val="tx1"/>
                 </a:solidFill>
@@ -6704,7 +6650,7 @@
               <a:buChar char="•"/>
             </a:pPr>
             <a:r>
-              <a:rPr lang="en-US" sz="1800" dirty="0">
+              <a:rPr lang="en-US" sz="2000" dirty="0">
                 <a:solidFill>
                   <a:schemeClr val="tx1"/>
                 </a:solidFill>
@@ -6718,7 +6664,7 @@
               <a:buChar char="•"/>
             </a:pPr>
             <a:r>
-              <a:rPr lang="en-US" sz="1800" dirty="0">
+              <a:rPr lang="en-US" sz="2000" dirty="0">
                 <a:solidFill>
                   <a:schemeClr val="tx1"/>
                 </a:solidFill>
@@ -6732,14 +6678,14 @@
               <a:buChar char="•"/>
             </a:pPr>
             <a:r>
-              <a:rPr lang="en-US" sz="1800" dirty="0">
+              <a:rPr lang="en-US" sz="2000" dirty="0">
                 <a:solidFill>
                   <a:schemeClr val="tx1"/>
                 </a:solidFill>
               </a:rPr>
               <a:t>Stack – a stack trace of the calls that led to the error.</a:t>
             </a:r>
-            <a:endParaRPr lang="en-US" sz="2000" dirty="0">
+            <a:endParaRPr lang="en-US" sz="2400" dirty="0">
               <a:solidFill>
                 <a:schemeClr val="tx1"/>
               </a:solidFill>
@@ -6750,7 +6696,7 @@
               <a:buNone/>
             </a:pPr>
             <a:r>
-              <a:rPr lang="en-US" sz="2000" dirty="0">
+              <a:rPr lang="en-US" sz="2400" dirty="0">
                 <a:solidFill>
                   <a:schemeClr val="tx1"/>
                 </a:solidFill>
@@ -6758,7 +6704,7 @@
               <a:t>JavaScript has many built-in, standard errors: </a:t>
             </a:r>
             <a:r>
-              <a:rPr lang="en-US" sz="2000" b="1" i="1" dirty="0">
+              <a:rPr lang="en-US" sz="2400" b="1" i="1" dirty="0">
                 <a:solidFill>
                   <a:schemeClr val="tx1"/>
                 </a:solidFill>
@@ -6766,7 +6712,7 @@
               <a:t>Error</a:t>
             </a:r>
             <a:r>
-              <a:rPr lang="en-US" sz="2000" dirty="0">
+              <a:rPr lang="en-US" sz="2400" dirty="0">
                 <a:solidFill>
                   <a:schemeClr val="tx1"/>
                 </a:solidFill>
@@ -6774,7 +6720,7 @@
               <a:t>, </a:t>
             </a:r>
             <a:r>
-              <a:rPr lang="en-US" sz="2000" b="1" i="1" dirty="0" err="1">
+              <a:rPr lang="en-US" sz="2400" b="1" i="1" dirty="0" err="1">
                 <a:solidFill>
                   <a:schemeClr val="tx1"/>
                 </a:solidFill>
@@ -6782,7 +6728,7 @@
               <a:t>SyntaxError</a:t>
             </a:r>
             <a:r>
-              <a:rPr lang="en-US" sz="2000" dirty="0">
+              <a:rPr lang="en-US" sz="2400" dirty="0">
                 <a:solidFill>
                   <a:schemeClr val="tx1"/>
                 </a:solidFill>
@@ -6790,7 +6736,7 @@
               <a:t>, </a:t>
             </a:r>
             <a:r>
-              <a:rPr lang="en-US" sz="2000" b="1" i="1" dirty="0" err="1">
+              <a:rPr lang="en-US" sz="2400" b="1" i="1" dirty="0" err="1">
                 <a:solidFill>
                   <a:schemeClr val="tx1"/>
                 </a:solidFill>
@@ -6798,7 +6744,7 @@
               <a:t>ReferenceError</a:t>
             </a:r>
             <a:r>
-              <a:rPr lang="en-US" sz="2000" dirty="0">
+              <a:rPr lang="en-US" sz="2400" dirty="0">
                 <a:solidFill>
                   <a:schemeClr val="tx1"/>
                 </a:solidFill>
@@ -6806,7 +6752,7 @@
               <a:t>, </a:t>
             </a:r>
             <a:r>
-              <a:rPr lang="en-US" sz="2000" b="1" i="1" dirty="0" err="1">
+              <a:rPr lang="en-US" sz="2400" b="1" i="1" dirty="0" err="1">
                 <a:solidFill>
                   <a:schemeClr val="tx1"/>
                 </a:solidFill>
@@ -6814,7 +6760,7 @@
               <a:t>TypeError</a:t>
             </a:r>
             <a:r>
-              <a:rPr lang="en-US" sz="2000" dirty="0">
+              <a:rPr lang="en-US" sz="2400" dirty="0">
                 <a:solidFill>
                   <a:schemeClr val="tx1"/>
                 </a:solidFill>
@@ -6827,7 +6773,7 @@
               <a:buNone/>
             </a:pPr>
             <a:r>
-              <a:rPr lang="en-US" sz="2000" dirty="0">
+              <a:rPr lang="en-US" sz="2400" dirty="0">
                 <a:solidFill>
                   <a:schemeClr val="tx1"/>
                 </a:solidFill>
@@ -6835,7 +6781,7 @@
               <a:t>The </a:t>
             </a:r>
             <a:r>
-              <a:rPr lang="en-US" sz="2000" b="1" i="1" dirty="0">
+              <a:rPr lang="en-US" sz="2400" b="1" i="1" dirty="0">
                 <a:solidFill>
                   <a:schemeClr val="tx1"/>
                 </a:solidFill>
@@ -6843,7 +6789,7 @@
               <a:t>Finally</a:t>
             </a:r>
             <a:r>
-              <a:rPr lang="en-US" sz="2000" dirty="0">
+              <a:rPr lang="en-US" sz="2400" dirty="0">
                 <a:solidFill>
                   <a:schemeClr val="tx1"/>
                 </a:solidFill>
@@ -8233,7 +8179,7 @@
                 <a:effectLst/>
                 <a:latin typeface="arial" panose="020B0604020202020204" pitchFamily="34" charset="0"/>
               </a:rPr>
-              <a:t>The Web Storage API provides mechanisms by which browsers can securely store key/value pairs. Storage objects are simple key-value stores, but they stay persist through page loads. The keys and the values are always stored as strings (even Numbers).</a:t>
+              <a:t>The Web Storage API provides mechanisms by which browsers can securely store key/value pairs. Storage objects are simple key-value stores, but they persist through page loads. The keys and the values are always stored as strings. This means that number types must be converted back to the number upon accessing.</a:t>
             </a:r>
           </a:p>
           <a:p>
@@ -9979,7 +9925,7 @@
         <p:spPr>
           <a:xfrm>
             <a:off x="1232848" y="1889708"/>
-            <a:ext cx="4779046" cy="4468703"/>
+            <a:ext cx="4670112" cy="4468703"/>
           </a:xfrm>
         </p:spPr>
         <p:txBody>
@@ -10098,7 +10044,21 @@
                   <a:schemeClr val="tx1"/>
                 </a:solidFill>
               </a:rPr>
-              <a:t>. Never place return data on a separate line. </a:t>
+              <a:t>. </a:t>
+            </a:r>
+          </a:p>
+          <a:p>
+            <a:pPr lvl="1">
+              <a:buFont typeface="Arial" panose="020B0604020202020204" pitchFamily="34" charset="0"/>
+              <a:buChar char="•"/>
+            </a:pPr>
+            <a:r>
+              <a:rPr lang="en-US" sz="2800" dirty="0">
+                <a:solidFill>
+                  <a:schemeClr val="tx1"/>
+                </a:solidFill>
+              </a:rPr>
+              <a:t>Never place return data on a separate line. </a:t>
             </a:r>
             <a:endParaRPr lang="en-US" sz="2800" b="1" i="1" dirty="0">
               <a:solidFill>
@@ -10130,8 +10090,8 @@
         </p:blipFill>
         <p:spPr>
           <a:xfrm>
-            <a:off x="6320671" y="2002984"/>
-            <a:ext cx="4260029" cy="2274746"/>
+            <a:off x="5864714" y="2002984"/>
+            <a:ext cx="5067989" cy="2706176"/>
           </a:xfrm>
           <a:prstGeom prst="rect">
             <a:avLst/>
@@ -10166,8 +10126,8 @@
         </p:blipFill>
         <p:spPr>
           <a:xfrm>
-            <a:off x="6320671" y="4428095"/>
-            <a:ext cx="4260029" cy="1865047"/>
+            <a:off x="6732260" y="4846320"/>
+            <a:ext cx="4200443" cy="1838960"/>
           </a:xfrm>
           <a:prstGeom prst="rect">
             <a:avLst/>
@@ -10827,8 +10787,8 @@
         </p:nvSpPr>
         <p:spPr>
           <a:xfrm>
-            <a:off x="1651379" y="1902623"/>
-            <a:ext cx="5998654" cy="2350929"/>
+            <a:off x="1340152" y="1902623"/>
+            <a:ext cx="6362096" cy="2350929"/>
           </a:xfrm>
           <a:prstGeom prst="rect">
             <a:avLst/>
@@ -10851,13 +10811,7 @@
             </a:r>
             <a:r>
               <a:rPr lang="en-US" sz="2300" dirty="0"/>
-              <a:t>. </a:t>
-            </a:r>
-          </a:p>
-          <a:p>
-            <a:r>
-              <a:rPr lang="en-US" sz="2300" dirty="0"/>
-              <a:t>It’s called </a:t>
+              <a:t> called </a:t>
             </a:r>
             <a:r>
               <a:rPr lang="en-US" sz="2300" dirty="0" err="1">
@@ -10967,10 +10921,10 @@
           <a:p>
             <a:r>
               <a:rPr lang="en-US" sz="1600" dirty="0"/>
-              <a:t>*If there were parentheses after </a:t>
-            </a:r>
-            <a:r>
-              <a:rPr lang="en-US" sz="1600" b="1" i="1" dirty="0" err="1">
+              <a:t>*</a:t>
+            </a:r>
+            <a:r>
+              <a:rPr lang="en-US" sz="1600" b="1" dirty="0" err="1">
                 <a:solidFill>
                   <a:srgbClr val="FF0000"/>
                 </a:solidFill>
@@ -10978,19 +10932,39 @@
               <a:t>sayHi</a:t>
             </a:r>
             <a:r>
+              <a:rPr lang="en-US" sz="1600" b="1" dirty="0">
+                <a:solidFill>
+                  <a:srgbClr val="FF0000"/>
+                </a:solidFill>
+              </a:rPr>
+              <a:t>() </a:t>
+            </a:r>
+            <a:r>
+              <a:rPr lang="en-US" sz="1600" dirty="0" err="1"/>
+              <a:t>envokes</a:t>
+            </a:r>
+            <a:r>
               <a:rPr lang="en-US" sz="1600" dirty="0"/>
-              <a:t>, </a:t>
-            </a:r>
-            <a:r>
-              <a:rPr lang="en-US" sz="1600" dirty="0" err="1"/>
+              <a:t> the function. </a:t>
+            </a:r>
+            <a:r>
+              <a:rPr lang="en-US" sz="1600" dirty="0" err="1">
+                <a:solidFill>
+                  <a:srgbClr val="FF0000"/>
+                </a:solidFill>
+              </a:rPr>
               <a:t>func</a:t>
             </a:r>
             <a:r>
-              <a:rPr lang="en-US" sz="1600" dirty="0"/>
+              <a:rPr lang="en-US" sz="1600" dirty="0">
+                <a:solidFill>
+                  <a:srgbClr val="FF0000"/>
+                </a:solidFill>
+              </a:rPr>
               <a:t> = </a:t>
             </a:r>
             <a:r>
-              <a:rPr lang="en-US" sz="1600" b="1" i="1" dirty="0" err="1">
+              <a:rPr lang="en-US" sz="1600" b="1" dirty="0" err="1">
                 <a:solidFill>
                   <a:srgbClr val="FF0000"/>
                 </a:solidFill>
@@ -10998,7 +10972,7 @@
               <a:t>sayHi</a:t>
             </a:r>
             <a:r>
-              <a:rPr lang="en-US" sz="1600" b="1" i="1" dirty="0">
+              <a:rPr lang="en-US" sz="1600" b="1" dirty="0">
                 <a:solidFill>
                   <a:srgbClr val="FF0000"/>
                 </a:solidFill>
@@ -12324,7 +12298,23 @@
                   <a:schemeClr val="tx1"/>
                 </a:solidFill>
               </a:rPr>
-              <a:t>The first is the anonymous function with lexical scope enclosed within the Grouping Operator (). This prevents accessing variables within the </a:t>
+              <a:t>The first is the anonymous function with lexical scope enclosed within the Grouping Operator, </a:t>
+            </a:r>
+            <a:r>
+              <a:rPr lang="en-US" sz="2000" dirty="0">
+                <a:solidFill>
+                  <a:srgbClr val="FF0000"/>
+                </a:solidFill>
+              </a:rPr>
+              <a:t>()</a:t>
+            </a:r>
+            <a:r>
+              <a:rPr lang="en-US" sz="2000" dirty="0">
+                <a:solidFill>
+                  <a:schemeClr val="tx1"/>
+                </a:solidFill>
+              </a:rPr>
+              <a:t>. This prevents accessing variables within the </a:t>
             </a:r>
             <a:r>
               <a:rPr lang="en-US" sz="2000" b="1" i="1" dirty="0">
@@ -12340,7 +12330,7 @@
                   <a:schemeClr val="tx1"/>
                 </a:solidFill>
               </a:rPr>
-              <a:t> idiom as well as polluting the global scope.</a:t>
+              <a:t> as well as polluting the global scope.</a:t>
             </a:r>
           </a:p>
           <a:p>
@@ -12354,7 +12344,23 @@
                   <a:schemeClr val="tx1"/>
                 </a:solidFill>
               </a:rPr>
-              <a:t>The second part is another pair of (), which complete the statement. Now, the JavaScript engine will directly interpret the function.</a:t>
+              <a:t>The second part is another pair of </a:t>
+            </a:r>
+            <a:r>
+              <a:rPr lang="en-US" sz="2000" dirty="0">
+                <a:solidFill>
+                  <a:srgbClr val="FF0000"/>
+                </a:solidFill>
+              </a:rPr>
+              <a:t>()</a:t>
+            </a:r>
+            <a:r>
+              <a:rPr lang="en-US" sz="2000" dirty="0">
+                <a:solidFill>
+                  <a:schemeClr val="tx1"/>
+                </a:solidFill>
+              </a:rPr>
+              <a:t>, which complete the statement/function call. Now, the JavaScript engine will directly interpret the function.</a:t>
             </a:r>
           </a:p>
         </p:txBody>
@@ -12930,20 +12936,20 @@
 </file>
 
 <file path=customXml/item1.xml><?xml version="1.0" encoding="utf-8"?>
-<p:properties xmlns:p="http://schemas.microsoft.com/office/2006/metadata/properties" xmlns:xsi="http://www.w3.org/2001/XMLSchema-instance" xmlns:pc="http://schemas.microsoft.com/office/infopath/2007/PartnerControls">
-  <documentManagement>
-    <MediaServiceKeyPoints xmlns="66d9aa3d-651e-4839-b59d-0bd8c52fea92" xsi:nil="true"/>
-  </documentManagement>
-</p:properties>
-</file>
-
-<file path=customXml/item2.xml><?xml version="1.0" encoding="utf-8"?>
 <?mso-contentType ?>
 <FormTemplates xmlns="http://schemas.microsoft.com/sharepoint/v3/contenttype/forms">
   <Display>DocumentLibraryForm</Display>
   <Edit>DocumentLibraryForm</Edit>
   <New>DocumentLibraryForm</New>
 </FormTemplates>
+</file>
+
+<file path=customXml/item2.xml><?xml version="1.0" encoding="utf-8"?>
+<p:properties xmlns:p="http://schemas.microsoft.com/office/2006/metadata/properties" xmlns:xsi="http://www.w3.org/2001/XMLSchema-instance" xmlns:pc="http://schemas.microsoft.com/office/infopath/2007/PartnerControls">
+  <documentManagement>
+    <MediaServiceKeyPoints xmlns="66d9aa3d-651e-4839-b59d-0bd8c52fea92" xsi:nil="true"/>
+  </documentManagement>
+</p:properties>
 </file>
 
 <file path=customXml/item3.xml><?xml version="1.0" encoding="utf-8"?>
@@ -13164,6 +13170,14 @@
 </file>
 
 <file path=customXml/itemProps1.xml><?xml version="1.0" encoding="utf-8"?>
+<ds:datastoreItem xmlns:ds="http://schemas.openxmlformats.org/officeDocument/2006/customXml" ds:itemID="{147854D2-C2B1-4273-BEE8-C059778BC500}">
+  <ds:schemaRefs>
+    <ds:schemaRef ds:uri="http://schemas.microsoft.com/sharepoint/v3/contenttype/forms"/>
+  </ds:schemaRefs>
+</ds:datastoreItem>
+</file>
+
+<file path=customXml/itemProps2.xml><?xml version="1.0" encoding="utf-8"?>
 <ds:datastoreItem xmlns:ds="http://schemas.openxmlformats.org/officeDocument/2006/customXml" ds:itemID="{00646C36-D994-4DBD-9A53-9B2DFD8D7208}">
   <ds:schemaRefs>
     <ds:schemaRef ds:uri="http://purl.org/dc/terms/"/>
@@ -13176,14 +13190,6 @@
     <ds:schemaRef ds:uri="http://schemas.microsoft.com/office/2006/documentManagement/types"/>
     <ds:schemaRef ds:uri="http://schemas.microsoft.com/office/infopath/2007/PartnerControls"/>
     <ds:schemaRef ds:uri="66d9aa3d-651e-4839-b59d-0bd8c52fea92"/>
-  </ds:schemaRefs>
-</ds:datastoreItem>
-</file>
-
-<file path=customXml/itemProps2.xml><?xml version="1.0" encoding="utf-8"?>
-<ds:datastoreItem xmlns:ds="http://schemas.openxmlformats.org/officeDocument/2006/customXml" ds:itemID="{147854D2-C2B1-4273-BEE8-C059778BC500}">
-  <ds:schemaRefs>
-    <ds:schemaRef ds:uri="http://schemas.microsoft.com/sharepoint/v3/contenttype/forms"/>
   </ds:schemaRefs>
 </ds:datastoreItem>
 </file>
